--- a/Crucovschii-AWS-SmallEnvironment.pptx
+++ b/Crucovschii-AWS-SmallEnvironment.pptx
@@ -407,7 +407,7 @@
               <a:pPr>
                 <a:defRPr/>
               </a:pPr>
-              <a:t>6/7/2022</a:t>
+              <a:t>6/10/2022</a:t>
             </a:fld>
             <a:endParaRPr lang="en-US" dirty="0"/>
           </a:p>
@@ -29238,13 +29238,32 @@
             <a:pPr eaLnBrk="1" hangingPunct="1"/>
             <a:r>
               <a:rPr lang="en-US" altLang="en-US" dirty="0"/>
-              <a:t>GitHub Action Pipeline. </a:t>
+              <a:t> </a:t>
+            </a:r>
+            <a:r>
+              <a:rPr lang="en-US" altLang="en-US" dirty="0" err="1"/>
+              <a:t>SmallEnvironment</a:t>
+            </a:r>
+            <a:r>
+              <a:rPr lang="en-US" altLang="en-US" dirty="0"/>
+              <a:t>/.</a:t>
+            </a:r>
+            <a:r>
+              <a:rPr lang="en-US" altLang="en-US" dirty="0" err="1"/>
+              <a:t>github</a:t>
+            </a:r>
+            <a:r>
+              <a:rPr lang="en-US" altLang="en-US" dirty="0"/>
+              <a:t>/workflows/</a:t>
             </a:r>
             <a:r>
               <a:rPr lang="en-US" altLang="en-US" dirty="0" err="1"/>
               <a:t>terraform.yml</a:t>
             </a:r>
-            <a:endParaRPr lang="en-US" altLang="en-US" dirty="0"/>
+            <a:r>
+              <a:rPr lang="en-US" altLang="en-US" dirty="0"/>
+              <a:t> </a:t>
+            </a:r>
           </a:p>
         </p:txBody>
       </p:sp>
